--- a/ppt 16-9/1567.盼望已久的天堂.pptx
+++ b/ppt 16-9/1567.盼望已久的天堂.pptx
@@ -5,7 +5,7 @@
     <p:sldMasterId id="2147483648" r:id="rId1"/>
   </p:sldMasterIdLst>
   <p:sldIdLst>
-    <p:sldId id="3420" r:id="rId2"/>
+    <p:sldId id="3422" r:id="rId2"/>
   </p:sldIdLst>
   <p:sldSz cx="12192000" cy="6858000"/>
   <p:notesSz cx="6858000" cy="9144000"/>
@@ -129,7 +129,7 @@
           <p:cNvPr id="2" name="标题 1">
             <a:extLst>
               <a:ext uri="{FF2B5EF4-FFF2-40B4-BE49-F238E27FC236}">
-                <a16:creationId xmlns:a16="http://schemas.microsoft.com/office/drawing/2014/main" id="{593B7FDB-B051-E1A4-4804-DEA008B78506}"/>
+                <a16:creationId xmlns:a16="http://schemas.microsoft.com/office/drawing/2014/main" id="{C2D0FE29-B15D-C9E7-03A0-CCC8F360B73F}"/>
               </a:ext>
             </a:extLst>
           </p:cNvPr>
@@ -166,7 +166,7 @@
           <p:cNvPr id="3" name="副标题 2">
             <a:extLst>
               <a:ext uri="{FF2B5EF4-FFF2-40B4-BE49-F238E27FC236}">
-                <a16:creationId xmlns:a16="http://schemas.microsoft.com/office/drawing/2014/main" id="{EAF3F6BB-596A-91F6-658C-75B658579A55}"/>
+                <a16:creationId xmlns:a16="http://schemas.microsoft.com/office/drawing/2014/main" id="{EA8E3165-245B-ED09-8CBA-1DC42E236001}"/>
               </a:ext>
             </a:extLst>
           </p:cNvPr>
@@ -236,7 +236,7 @@
           <p:cNvPr id="4" name="日期占位符 3">
             <a:extLst>
               <a:ext uri="{FF2B5EF4-FFF2-40B4-BE49-F238E27FC236}">
-                <a16:creationId xmlns:a16="http://schemas.microsoft.com/office/drawing/2014/main" id="{E256474A-27E1-F22E-5C9A-6A8149CF353B}"/>
+                <a16:creationId xmlns:a16="http://schemas.microsoft.com/office/drawing/2014/main" id="{9117BA44-0B03-C738-36F6-BF8ACD3435C9}"/>
               </a:ext>
             </a:extLst>
           </p:cNvPr>
@@ -252,7 +252,7 @@
           <a:bodyPr/>
           <a:lstStyle/>
           <a:p>
-            <a:fld id="{503AEC79-A024-4789-BA54-A44CACDB04E9}" type="datetimeFigureOut">
+            <a:fld id="{C6BAEE56-1C62-4BCB-BC7A-91B3AF32B02A}" type="datetimeFigureOut">
               <a:rPr lang="zh-CN" altLang="en-US" smtClean="0"/>
               <a:t>2024/3/10</a:t>
             </a:fld>
@@ -265,7 +265,7 @@
           <p:cNvPr id="5" name="页脚占位符 4">
             <a:extLst>
               <a:ext uri="{FF2B5EF4-FFF2-40B4-BE49-F238E27FC236}">
-                <a16:creationId xmlns:a16="http://schemas.microsoft.com/office/drawing/2014/main" id="{4E2CFC9A-4D44-03C7-807D-6067EB181524}"/>
+                <a16:creationId xmlns:a16="http://schemas.microsoft.com/office/drawing/2014/main" id="{086193EA-6F3B-8EC8-8172-590BBA91696F}"/>
               </a:ext>
             </a:extLst>
           </p:cNvPr>
@@ -290,7 +290,7 @@
           <p:cNvPr id="6" name="灯片编号占位符 5">
             <a:extLst>
               <a:ext uri="{FF2B5EF4-FFF2-40B4-BE49-F238E27FC236}">
-                <a16:creationId xmlns:a16="http://schemas.microsoft.com/office/drawing/2014/main" id="{6892ADEF-AEB8-62B4-BE1B-BFC149DAD1B9}"/>
+                <a16:creationId xmlns:a16="http://schemas.microsoft.com/office/drawing/2014/main" id="{0334EE69-EBDF-1A95-6E62-C70474024622}"/>
               </a:ext>
             </a:extLst>
           </p:cNvPr>
@@ -306,7 +306,7 @@
           <a:bodyPr/>
           <a:lstStyle/>
           <a:p>
-            <a:fld id="{F4D7CD8E-5B38-4539-8260-A4890702984B}" type="slidenum">
+            <a:fld id="{DA2B32E0-E974-477E-9CFA-3B717F6A636F}" type="slidenum">
               <a:rPr lang="zh-CN" altLang="en-US" smtClean="0"/>
               <a:t>‹#›</a:t>
             </a:fld>
@@ -317,7 +317,7 @@
     </p:spTree>
     <p:extLst>
       <p:ext uri="{BB962C8B-B14F-4D97-AF65-F5344CB8AC3E}">
-        <p14:creationId xmlns:p14="http://schemas.microsoft.com/office/powerpoint/2010/main" val="520604804"/>
+        <p14:creationId xmlns:p14="http://schemas.microsoft.com/office/powerpoint/2010/main" val="2886471712"/>
       </p:ext>
     </p:extLst>
   </p:cSld>
@@ -349,7 +349,7 @@
           <p:cNvPr id="2" name="标题 1">
             <a:extLst>
               <a:ext uri="{FF2B5EF4-FFF2-40B4-BE49-F238E27FC236}">
-                <a16:creationId xmlns:a16="http://schemas.microsoft.com/office/drawing/2014/main" id="{AF6186F6-8E9B-339A-49E4-2E7E53C3B2CD}"/>
+                <a16:creationId xmlns:a16="http://schemas.microsoft.com/office/drawing/2014/main" id="{2500CFAC-C008-8E7F-F950-611B989C42D9}"/>
               </a:ext>
             </a:extLst>
           </p:cNvPr>
@@ -377,7 +377,7 @@
           <p:cNvPr id="3" name="竖排文字占位符 2">
             <a:extLst>
               <a:ext uri="{FF2B5EF4-FFF2-40B4-BE49-F238E27FC236}">
-                <a16:creationId xmlns:a16="http://schemas.microsoft.com/office/drawing/2014/main" id="{CEF3FFEE-C266-1F14-1D14-92B4F778D5B2}"/>
+                <a16:creationId xmlns:a16="http://schemas.microsoft.com/office/drawing/2014/main" id="{B9EE31A4-4B94-FD63-58A9-6C65542B5C2C}"/>
               </a:ext>
             </a:extLst>
           </p:cNvPr>
@@ -434,7 +434,7 @@
           <p:cNvPr id="4" name="日期占位符 3">
             <a:extLst>
               <a:ext uri="{FF2B5EF4-FFF2-40B4-BE49-F238E27FC236}">
-                <a16:creationId xmlns:a16="http://schemas.microsoft.com/office/drawing/2014/main" id="{9A85C02B-95B8-6238-8E09-1093254C73DB}"/>
+                <a16:creationId xmlns:a16="http://schemas.microsoft.com/office/drawing/2014/main" id="{DBBDEAD7-EC7D-78CB-2244-E4882EFA92F4}"/>
               </a:ext>
             </a:extLst>
           </p:cNvPr>
@@ -450,7 +450,7 @@
           <a:bodyPr/>
           <a:lstStyle/>
           <a:p>
-            <a:fld id="{503AEC79-A024-4789-BA54-A44CACDB04E9}" type="datetimeFigureOut">
+            <a:fld id="{C6BAEE56-1C62-4BCB-BC7A-91B3AF32B02A}" type="datetimeFigureOut">
               <a:rPr lang="zh-CN" altLang="en-US" smtClean="0"/>
               <a:t>2024/3/10</a:t>
             </a:fld>
@@ -463,7 +463,7 @@
           <p:cNvPr id="5" name="页脚占位符 4">
             <a:extLst>
               <a:ext uri="{FF2B5EF4-FFF2-40B4-BE49-F238E27FC236}">
-                <a16:creationId xmlns:a16="http://schemas.microsoft.com/office/drawing/2014/main" id="{E1F739FE-53F8-EE6A-760C-6AD2B5797A0D}"/>
+                <a16:creationId xmlns:a16="http://schemas.microsoft.com/office/drawing/2014/main" id="{90BEDED9-3AFC-1ADE-6FDD-CCA238BDA772}"/>
               </a:ext>
             </a:extLst>
           </p:cNvPr>
@@ -488,7 +488,7 @@
           <p:cNvPr id="6" name="灯片编号占位符 5">
             <a:extLst>
               <a:ext uri="{FF2B5EF4-FFF2-40B4-BE49-F238E27FC236}">
-                <a16:creationId xmlns:a16="http://schemas.microsoft.com/office/drawing/2014/main" id="{8725A842-C3E4-EDB6-F471-F1B7C81C69AD}"/>
+                <a16:creationId xmlns:a16="http://schemas.microsoft.com/office/drawing/2014/main" id="{7E07663D-A31F-721A-EBB7-C855086B4F1A}"/>
               </a:ext>
             </a:extLst>
           </p:cNvPr>
@@ -504,7 +504,7 @@
           <a:bodyPr/>
           <a:lstStyle/>
           <a:p>
-            <a:fld id="{F4D7CD8E-5B38-4539-8260-A4890702984B}" type="slidenum">
+            <a:fld id="{DA2B32E0-E974-477E-9CFA-3B717F6A636F}" type="slidenum">
               <a:rPr lang="zh-CN" altLang="en-US" smtClean="0"/>
               <a:t>‹#›</a:t>
             </a:fld>
@@ -515,7 +515,7 @@
     </p:spTree>
     <p:extLst>
       <p:ext uri="{BB962C8B-B14F-4D97-AF65-F5344CB8AC3E}">
-        <p14:creationId xmlns:p14="http://schemas.microsoft.com/office/powerpoint/2010/main" val="1590930830"/>
+        <p14:creationId xmlns:p14="http://schemas.microsoft.com/office/powerpoint/2010/main" val="3208028458"/>
       </p:ext>
     </p:extLst>
   </p:cSld>
@@ -547,7 +547,7 @@
           <p:cNvPr id="2" name="竖排标题 1">
             <a:extLst>
               <a:ext uri="{FF2B5EF4-FFF2-40B4-BE49-F238E27FC236}">
-                <a16:creationId xmlns:a16="http://schemas.microsoft.com/office/drawing/2014/main" id="{1BC21E19-EDC0-85EE-5CA9-BBBCA54A71D5}"/>
+                <a16:creationId xmlns:a16="http://schemas.microsoft.com/office/drawing/2014/main" id="{369C7A78-0CA5-7934-E524-62A9EE2390D0}"/>
               </a:ext>
             </a:extLst>
           </p:cNvPr>
@@ -580,7 +580,7 @@
           <p:cNvPr id="3" name="竖排文字占位符 2">
             <a:extLst>
               <a:ext uri="{FF2B5EF4-FFF2-40B4-BE49-F238E27FC236}">
-                <a16:creationId xmlns:a16="http://schemas.microsoft.com/office/drawing/2014/main" id="{096492DE-43B8-A00D-28D0-B0A0F0A05055}"/>
+                <a16:creationId xmlns:a16="http://schemas.microsoft.com/office/drawing/2014/main" id="{A35A1F3E-5AC4-B1EA-0EB1-C516A297230F}"/>
               </a:ext>
             </a:extLst>
           </p:cNvPr>
@@ -642,7 +642,7 @@
           <p:cNvPr id="4" name="日期占位符 3">
             <a:extLst>
               <a:ext uri="{FF2B5EF4-FFF2-40B4-BE49-F238E27FC236}">
-                <a16:creationId xmlns:a16="http://schemas.microsoft.com/office/drawing/2014/main" id="{95812C79-A864-B53F-D425-340999DF60B8}"/>
+                <a16:creationId xmlns:a16="http://schemas.microsoft.com/office/drawing/2014/main" id="{678E6510-9FED-C755-B93D-A37D3ADC2D21}"/>
               </a:ext>
             </a:extLst>
           </p:cNvPr>
@@ -658,7 +658,7 @@
           <a:bodyPr/>
           <a:lstStyle/>
           <a:p>
-            <a:fld id="{503AEC79-A024-4789-BA54-A44CACDB04E9}" type="datetimeFigureOut">
+            <a:fld id="{C6BAEE56-1C62-4BCB-BC7A-91B3AF32B02A}" type="datetimeFigureOut">
               <a:rPr lang="zh-CN" altLang="en-US" smtClean="0"/>
               <a:t>2024/3/10</a:t>
             </a:fld>
@@ -671,7 +671,7 @@
           <p:cNvPr id="5" name="页脚占位符 4">
             <a:extLst>
               <a:ext uri="{FF2B5EF4-FFF2-40B4-BE49-F238E27FC236}">
-                <a16:creationId xmlns:a16="http://schemas.microsoft.com/office/drawing/2014/main" id="{05D21208-A670-63C1-A0D0-880DDBA2F270}"/>
+                <a16:creationId xmlns:a16="http://schemas.microsoft.com/office/drawing/2014/main" id="{11F9D8A0-1E8D-0E79-8326-3F902EE8DABA}"/>
               </a:ext>
             </a:extLst>
           </p:cNvPr>
@@ -696,7 +696,7 @@
           <p:cNvPr id="6" name="灯片编号占位符 5">
             <a:extLst>
               <a:ext uri="{FF2B5EF4-FFF2-40B4-BE49-F238E27FC236}">
-                <a16:creationId xmlns:a16="http://schemas.microsoft.com/office/drawing/2014/main" id="{9D003A29-A400-2027-35F6-D31090081909}"/>
+                <a16:creationId xmlns:a16="http://schemas.microsoft.com/office/drawing/2014/main" id="{114DC4D4-AAAA-AF96-99B9-CADEC5706792}"/>
               </a:ext>
             </a:extLst>
           </p:cNvPr>
@@ -712,7 +712,7 @@
           <a:bodyPr/>
           <a:lstStyle/>
           <a:p>
-            <a:fld id="{F4D7CD8E-5B38-4539-8260-A4890702984B}" type="slidenum">
+            <a:fld id="{DA2B32E0-E974-477E-9CFA-3B717F6A636F}" type="slidenum">
               <a:rPr lang="zh-CN" altLang="en-US" smtClean="0"/>
               <a:t>‹#›</a:t>
             </a:fld>
@@ -723,7 +723,7 @@
     </p:spTree>
     <p:extLst>
       <p:ext uri="{BB962C8B-B14F-4D97-AF65-F5344CB8AC3E}">
-        <p14:creationId xmlns:p14="http://schemas.microsoft.com/office/powerpoint/2010/main" val="1757671762"/>
+        <p14:creationId xmlns:p14="http://schemas.microsoft.com/office/powerpoint/2010/main" val="3516408712"/>
       </p:ext>
     </p:extLst>
   </p:cSld>
@@ -755,7 +755,7 @@
           <p:cNvPr id="2" name="标题 1">
             <a:extLst>
               <a:ext uri="{FF2B5EF4-FFF2-40B4-BE49-F238E27FC236}">
-                <a16:creationId xmlns:a16="http://schemas.microsoft.com/office/drawing/2014/main" id="{8ABB5AFA-CAF2-C021-BC3A-EB3D99DC1D04}"/>
+                <a16:creationId xmlns:a16="http://schemas.microsoft.com/office/drawing/2014/main" id="{77B59F26-D59E-1256-64B2-B8829F82F341}"/>
               </a:ext>
             </a:extLst>
           </p:cNvPr>
@@ -783,7 +783,7 @@
           <p:cNvPr id="3" name="内容占位符 2">
             <a:extLst>
               <a:ext uri="{FF2B5EF4-FFF2-40B4-BE49-F238E27FC236}">
-                <a16:creationId xmlns:a16="http://schemas.microsoft.com/office/drawing/2014/main" id="{489D9A4E-E507-D8C6-42AD-819A547B0365}"/>
+                <a16:creationId xmlns:a16="http://schemas.microsoft.com/office/drawing/2014/main" id="{1CBE90CF-F846-C67D-CD06-D13C23E9F2B3}"/>
               </a:ext>
             </a:extLst>
           </p:cNvPr>
@@ -840,7 +840,7 @@
           <p:cNvPr id="4" name="日期占位符 3">
             <a:extLst>
               <a:ext uri="{FF2B5EF4-FFF2-40B4-BE49-F238E27FC236}">
-                <a16:creationId xmlns:a16="http://schemas.microsoft.com/office/drawing/2014/main" id="{2944C9A6-A866-12DE-6080-8C51897E89CE}"/>
+                <a16:creationId xmlns:a16="http://schemas.microsoft.com/office/drawing/2014/main" id="{C7B3F11F-C16A-CFCE-257E-C38D4AC34039}"/>
               </a:ext>
             </a:extLst>
           </p:cNvPr>
@@ -856,7 +856,7 @@
           <a:bodyPr/>
           <a:lstStyle/>
           <a:p>
-            <a:fld id="{503AEC79-A024-4789-BA54-A44CACDB04E9}" type="datetimeFigureOut">
+            <a:fld id="{C6BAEE56-1C62-4BCB-BC7A-91B3AF32B02A}" type="datetimeFigureOut">
               <a:rPr lang="zh-CN" altLang="en-US" smtClean="0"/>
               <a:t>2024/3/10</a:t>
             </a:fld>
@@ -869,7 +869,7 @@
           <p:cNvPr id="5" name="页脚占位符 4">
             <a:extLst>
               <a:ext uri="{FF2B5EF4-FFF2-40B4-BE49-F238E27FC236}">
-                <a16:creationId xmlns:a16="http://schemas.microsoft.com/office/drawing/2014/main" id="{398BECA6-4E9C-C128-6396-1E68B7ECB8C3}"/>
+                <a16:creationId xmlns:a16="http://schemas.microsoft.com/office/drawing/2014/main" id="{8B4305D1-97A8-CC8B-8053-BC6D5AF90FC4}"/>
               </a:ext>
             </a:extLst>
           </p:cNvPr>
@@ -894,7 +894,7 @@
           <p:cNvPr id="6" name="灯片编号占位符 5">
             <a:extLst>
               <a:ext uri="{FF2B5EF4-FFF2-40B4-BE49-F238E27FC236}">
-                <a16:creationId xmlns:a16="http://schemas.microsoft.com/office/drawing/2014/main" id="{672EA3F6-31C6-3BE7-4392-68F9A760D881}"/>
+                <a16:creationId xmlns:a16="http://schemas.microsoft.com/office/drawing/2014/main" id="{A050DAD8-5454-FEC2-21ED-FFCAFF859C72}"/>
               </a:ext>
             </a:extLst>
           </p:cNvPr>
@@ -910,7 +910,7 @@
           <a:bodyPr/>
           <a:lstStyle/>
           <a:p>
-            <a:fld id="{F4D7CD8E-5B38-4539-8260-A4890702984B}" type="slidenum">
+            <a:fld id="{DA2B32E0-E974-477E-9CFA-3B717F6A636F}" type="slidenum">
               <a:rPr lang="zh-CN" altLang="en-US" smtClean="0"/>
               <a:t>‹#›</a:t>
             </a:fld>
@@ -921,7 +921,7 @@
     </p:spTree>
     <p:extLst>
       <p:ext uri="{BB962C8B-B14F-4D97-AF65-F5344CB8AC3E}">
-        <p14:creationId xmlns:p14="http://schemas.microsoft.com/office/powerpoint/2010/main" val="1249846250"/>
+        <p14:creationId xmlns:p14="http://schemas.microsoft.com/office/powerpoint/2010/main" val="3939707564"/>
       </p:ext>
     </p:extLst>
   </p:cSld>
@@ -953,7 +953,7 @@
           <p:cNvPr id="2" name="标题 1">
             <a:extLst>
               <a:ext uri="{FF2B5EF4-FFF2-40B4-BE49-F238E27FC236}">
-                <a16:creationId xmlns:a16="http://schemas.microsoft.com/office/drawing/2014/main" id="{4D2515F9-2763-8B1E-C82A-D7622CE524D0}"/>
+                <a16:creationId xmlns:a16="http://schemas.microsoft.com/office/drawing/2014/main" id="{86EE7201-E738-977F-F6CB-B0EAA1BF0CF4}"/>
               </a:ext>
             </a:extLst>
           </p:cNvPr>
@@ -990,7 +990,7 @@
           <p:cNvPr id="3" name="文本占位符 2">
             <a:extLst>
               <a:ext uri="{FF2B5EF4-FFF2-40B4-BE49-F238E27FC236}">
-                <a16:creationId xmlns:a16="http://schemas.microsoft.com/office/drawing/2014/main" id="{D8B10C48-B0CA-6A5C-9CF3-D1837C8546FC}"/>
+                <a16:creationId xmlns:a16="http://schemas.microsoft.com/office/drawing/2014/main" id="{9DE852F7-1593-EB6D-622B-73FEEFCEC640}"/>
               </a:ext>
             </a:extLst>
           </p:cNvPr>
@@ -1115,7 +1115,7 @@
           <p:cNvPr id="4" name="日期占位符 3">
             <a:extLst>
               <a:ext uri="{FF2B5EF4-FFF2-40B4-BE49-F238E27FC236}">
-                <a16:creationId xmlns:a16="http://schemas.microsoft.com/office/drawing/2014/main" id="{C02ED887-FFB3-66EC-28C2-1E218DA89A8B}"/>
+                <a16:creationId xmlns:a16="http://schemas.microsoft.com/office/drawing/2014/main" id="{655C8B73-2AFD-D90B-95D7-9033BA86D8AC}"/>
               </a:ext>
             </a:extLst>
           </p:cNvPr>
@@ -1131,7 +1131,7 @@
           <a:bodyPr/>
           <a:lstStyle/>
           <a:p>
-            <a:fld id="{503AEC79-A024-4789-BA54-A44CACDB04E9}" type="datetimeFigureOut">
+            <a:fld id="{C6BAEE56-1C62-4BCB-BC7A-91B3AF32B02A}" type="datetimeFigureOut">
               <a:rPr lang="zh-CN" altLang="en-US" smtClean="0"/>
               <a:t>2024/3/10</a:t>
             </a:fld>
@@ -1144,7 +1144,7 @@
           <p:cNvPr id="5" name="页脚占位符 4">
             <a:extLst>
               <a:ext uri="{FF2B5EF4-FFF2-40B4-BE49-F238E27FC236}">
-                <a16:creationId xmlns:a16="http://schemas.microsoft.com/office/drawing/2014/main" id="{BA380665-206F-AA8D-7ACB-93253F49312B}"/>
+                <a16:creationId xmlns:a16="http://schemas.microsoft.com/office/drawing/2014/main" id="{B92BDA21-5300-D94D-B4AA-8795408096C8}"/>
               </a:ext>
             </a:extLst>
           </p:cNvPr>
@@ -1169,7 +1169,7 @@
           <p:cNvPr id="6" name="灯片编号占位符 5">
             <a:extLst>
               <a:ext uri="{FF2B5EF4-FFF2-40B4-BE49-F238E27FC236}">
-                <a16:creationId xmlns:a16="http://schemas.microsoft.com/office/drawing/2014/main" id="{6493BFBD-3257-FCDA-56B0-9EE1BA54267B}"/>
+                <a16:creationId xmlns:a16="http://schemas.microsoft.com/office/drawing/2014/main" id="{764467DC-F119-F3C2-EEF4-4761129BE5AB}"/>
               </a:ext>
             </a:extLst>
           </p:cNvPr>
@@ -1185,7 +1185,7 @@
           <a:bodyPr/>
           <a:lstStyle/>
           <a:p>
-            <a:fld id="{F4D7CD8E-5B38-4539-8260-A4890702984B}" type="slidenum">
+            <a:fld id="{DA2B32E0-E974-477E-9CFA-3B717F6A636F}" type="slidenum">
               <a:rPr lang="zh-CN" altLang="en-US" smtClean="0"/>
               <a:t>‹#›</a:t>
             </a:fld>
@@ -1196,7 +1196,7 @@
     </p:spTree>
     <p:extLst>
       <p:ext uri="{BB962C8B-B14F-4D97-AF65-F5344CB8AC3E}">
-        <p14:creationId xmlns:p14="http://schemas.microsoft.com/office/powerpoint/2010/main" val="64843014"/>
+        <p14:creationId xmlns:p14="http://schemas.microsoft.com/office/powerpoint/2010/main" val="2793049185"/>
       </p:ext>
     </p:extLst>
   </p:cSld>
@@ -1228,7 +1228,7 @@
           <p:cNvPr id="2" name="标题 1">
             <a:extLst>
               <a:ext uri="{FF2B5EF4-FFF2-40B4-BE49-F238E27FC236}">
-                <a16:creationId xmlns:a16="http://schemas.microsoft.com/office/drawing/2014/main" id="{9B3EAD98-9474-3AA2-A133-0A263ACCEC2D}"/>
+                <a16:creationId xmlns:a16="http://schemas.microsoft.com/office/drawing/2014/main" id="{4372C53B-A66F-68A2-39A0-0901CD21309C}"/>
               </a:ext>
             </a:extLst>
           </p:cNvPr>
@@ -1256,7 +1256,7 @@
           <p:cNvPr id="3" name="内容占位符 2">
             <a:extLst>
               <a:ext uri="{FF2B5EF4-FFF2-40B4-BE49-F238E27FC236}">
-                <a16:creationId xmlns:a16="http://schemas.microsoft.com/office/drawing/2014/main" id="{B40FEC7E-C949-D4DA-9459-3A1B4C01359C}"/>
+                <a16:creationId xmlns:a16="http://schemas.microsoft.com/office/drawing/2014/main" id="{8ABE4F4B-86A4-1F67-E794-6A495E28867B}"/>
               </a:ext>
             </a:extLst>
           </p:cNvPr>
@@ -1318,7 +1318,7 @@
           <p:cNvPr id="4" name="内容占位符 3">
             <a:extLst>
               <a:ext uri="{FF2B5EF4-FFF2-40B4-BE49-F238E27FC236}">
-                <a16:creationId xmlns:a16="http://schemas.microsoft.com/office/drawing/2014/main" id="{342E5FA9-39A7-C9E6-4831-FF058D92DA65}"/>
+                <a16:creationId xmlns:a16="http://schemas.microsoft.com/office/drawing/2014/main" id="{88ED136D-9111-286A-B45D-35802E12ED8D}"/>
               </a:ext>
             </a:extLst>
           </p:cNvPr>
@@ -1380,7 +1380,7 @@
           <p:cNvPr id="5" name="日期占位符 4">
             <a:extLst>
               <a:ext uri="{FF2B5EF4-FFF2-40B4-BE49-F238E27FC236}">
-                <a16:creationId xmlns:a16="http://schemas.microsoft.com/office/drawing/2014/main" id="{D03680A3-DCBA-EA81-866F-BEFC7B6D386B}"/>
+                <a16:creationId xmlns:a16="http://schemas.microsoft.com/office/drawing/2014/main" id="{79488FF9-2740-647B-B48A-4E1DC3D5651B}"/>
               </a:ext>
             </a:extLst>
           </p:cNvPr>
@@ -1396,7 +1396,7 @@
           <a:bodyPr/>
           <a:lstStyle/>
           <a:p>
-            <a:fld id="{503AEC79-A024-4789-BA54-A44CACDB04E9}" type="datetimeFigureOut">
+            <a:fld id="{C6BAEE56-1C62-4BCB-BC7A-91B3AF32B02A}" type="datetimeFigureOut">
               <a:rPr lang="zh-CN" altLang="en-US" smtClean="0"/>
               <a:t>2024/3/10</a:t>
             </a:fld>
@@ -1409,7 +1409,7 @@
           <p:cNvPr id="6" name="页脚占位符 5">
             <a:extLst>
               <a:ext uri="{FF2B5EF4-FFF2-40B4-BE49-F238E27FC236}">
-                <a16:creationId xmlns:a16="http://schemas.microsoft.com/office/drawing/2014/main" id="{00F41666-9785-F605-BAB0-9D834673675F}"/>
+                <a16:creationId xmlns:a16="http://schemas.microsoft.com/office/drawing/2014/main" id="{610C22B8-E11E-44E4-E899-C16B57B27E8F}"/>
               </a:ext>
             </a:extLst>
           </p:cNvPr>
@@ -1434,7 +1434,7 @@
           <p:cNvPr id="7" name="灯片编号占位符 6">
             <a:extLst>
               <a:ext uri="{FF2B5EF4-FFF2-40B4-BE49-F238E27FC236}">
-                <a16:creationId xmlns:a16="http://schemas.microsoft.com/office/drawing/2014/main" id="{59DA3904-B41E-04B7-5513-B8A71407712E}"/>
+                <a16:creationId xmlns:a16="http://schemas.microsoft.com/office/drawing/2014/main" id="{7519E31B-B864-ADCC-CE1A-F487E8BEA3B8}"/>
               </a:ext>
             </a:extLst>
           </p:cNvPr>
@@ -1450,7 +1450,7 @@
           <a:bodyPr/>
           <a:lstStyle/>
           <a:p>
-            <a:fld id="{F4D7CD8E-5B38-4539-8260-A4890702984B}" type="slidenum">
+            <a:fld id="{DA2B32E0-E974-477E-9CFA-3B717F6A636F}" type="slidenum">
               <a:rPr lang="zh-CN" altLang="en-US" smtClean="0"/>
               <a:t>‹#›</a:t>
             </a:fld>
@@ -1461,7 +1461,7 @@
     </p:spTree>
     <p:extLst>
       <p:ext uri="{BB962C8B-B14F-4D97-AF65-F5344CB8AC3E}">
-        <p14:creationId xmlns:p14="http://schemas.microsoft.com/office/powerpoint/2010/main" val="1845160873"/>
+        <p14:creationId xmlns:p14="http://schemas.microsoft.com/office/powerpoint/2010/main" val="2270423835"/>
       </p:ext>
     </p:extLst>
   </p:cSld>
@@ -1493,7 +1493,7 @@
           <p:cNvPr id="2" name="标题 1">
             <a:extLst>
               <a:ext uri="{FF2B5EF4-FFF2-40B4-BE49-F238E27FC236}">
-                <a16:creationId xmlns:a16="http://schemas.microsoft.com/office/drawing/2014/main" id="{62F9B01F-2F0C-A7FF-EE67-51DD30BF5DA2}"/>
+                <a16:creationId xmlns:a16="http://schemas.microsoft.com/office/drawing/2014/main" id="{458CE544-74A8-B694-7797-34CD9721DFCA}"/>
               </a:ext>
             </a:extLst>
           </p:cNvPr>
@@ -1526,7 +1526,7 @@
           <p:cNvPr id="3" name="文本占位符 2">
             <a:extLst>
               <a:ext uri="{FF2B5EF4-FFF2-40B4-BE49-F238E27FC236}">
-                <a16:creationId xmlns:a16="http://schemas.microsoft.com/office/drawing/2014/main" id="{9314D8FF-D50B-BC93-749A-06876FAA8A5A}"/>
+                <a16:creationId xmlns:a16="http://schemas.microsoft.com/office/drawing/2014/main" id="{67F1308C-93F0-6F62-FCDA-EA04F9F2C827}"/>
               </a:ext>
             </a:extLst>
           </p:cNvPr>
@@ -1597,7 +1597,7 @@
           <p:cNvPr id="4" name="内容占位符 3">
             <a:extLst>
               <a:ext uri="{FF2B5EF4-FFF2-40B4-BE49-F238E27FC236}">
-                <a16:creationId xmlns:a16="http://schemas.microsoft.com/office/drawing/2014/main" id="{580D105B-8E5F-276F-2FBD-3BFFC0FFF650}"/>
+                <a16:creationId xmlns:a16="http://schemas.microsoft.com/office/drawing/2014/main" id="{C07C79C1-B0FF-0BC9-701A-E6833908F94F}"/>
               </a:ext>
             </a:extLst>
           </p:cNvPr>
@@ -1659,7 +1659,7 @@
           <p:cNvPr id="5" name="文本占位符 4">
             <a:extLst>
               <a:ext uri="{FF2B5EF4-FFF2-40B4-BE49-F238E27FC236}">
-                <a16:creationId xmlns:a16="http://schemas.microsoft.com/office/drawing/2014/main" id="{967DBCB3-FF19-6D6A-5A38-5798F476D2BE}"/>
+                <a16:creationId xmlns:a16="http://schemas.microsoft.com/office/drawing/2014/main" id="{37770D15-8B33-CE1F-F534-BCCF71519817}"/>
               </a:ext>
             </a:extLst>
           </p:cNvPr>
@@ -1730,7 +1730,7 @@
           <p:cNvPr id="6" name="内容占位符 5">
             <a:extLst>
               <a:ext uri="{FF2B5EF4-FFF2-40B4-BE49-F238E27FC236}">
-                <a16:creationId xmlns:a16="http://schemas.microsoft.com/office/drawing/2014/main" id="{84C77D21-2A48-9BC0-D733-D5F5287F5EA9}"/>
+                <a16:creationId xmlns:a16="http://schemas.microsoft.com/office/drawing/2014/main" id="{D2A89795-ED26-1A00-2273-257CF2A3F35E}"/>
               </a:ext>
             </a:extLst>
           </p:cNvPr>
@@ -1792,7 +1792,7 @@
           <p:cNvPr id="7" name="日期占位符 6">
             <a:extLst>
               <a:ext uri="{FF2B5EF4-FFF2-40B4-BE49-F238E27FC236}">
-                <a16:creationId xmlns:a16="http://schemas.microsoft.com/office/drawing/2014/main" id="{899460BB-260C-74D2-96CD-472FFC484774}"/>
+                <a16:creationId xmlns:a16="http://schemas.microsoft.com/office/drawing/2014/main" id="{12052479-8B0A-4E45-232E-D3C8AC8F8983}"/>
               </a:ext>
             </a:extLst>
           </p:cNvPr>
@@ -1808,7 +1808,7 @@
           <a:bodyPr/>
           <a:lstStyle/>
           <a:p>
-            <a:fld id="{503AEC79-A024-4789-BA54-A44CACDB04E9}" type="datetimeFigureOut">
+            <a:fld id="{C6BAEE56-1C62-4BCB-BC7A-91B3AF32B02A}" type="datetimeFigureOut">
               <a:rPr lang="zh-CN" altLang="en-US" smtClean="0"/>
               <a:t>2024/3/10</a:t>
             </a:fld>
@@ -1821,7 +1821,7 @@
           <p:cNvPr id="8" name="页脚占位符 7">
             <a:extLst>
               <a:ext uri="{FF2B5EF4-FFF2-40B4-BE49-F238E27FC236}">
-                <a16:creationId xmlns:a16="http://schemas.microsoft.com/office/drawing/2014/main" id="{1426151F-C266-F142-4E5F-E069E7663546}"/>
+                <a16:creationId xmlns:a16="http://schemas.microsoft.com/office/drawing/2014/main" id="{43C9D91E-1ADE-324E-21F0-20D6479FB3C3}"/>
               </a:ext>
             </a:extLst>
           </p:cNvPr>
@@ -1846,7 +1846,7 @@
           <p:cNvPr id="9" name="灯片编号占位符 8">
             <a:extLst>
               <a:ext uri="{FF2B5EF4-FFF2-40B4-BE49-F238E27FC236}">
-                <a16:creationId xmlns:a16="http://schemas.microsoft.com/office/drawing/2014/main" id="{D61EDD0A-7E38-DD20-629E-F21249048287}"/>
+                <a16:creationId xmlns:a16="http://schemas.microsoft.com/office/drawing/2014/main" id="{A1986244-E342-2FF4-F946-B6775E4DDEE9}"/>
               </a:ext>
             </a:extLst>
           </p:cNvPr>
@@ -1862,7 +1862,7 @@
           <a:bodyPr/>
           <a:lstStyle/>
           <a:p>
-            <a:fld id="{F4D7CD8E-5B38-4539-8260-A4890702984B}" type="slidenum">
+            <a:fld id="{DA2B32E0-E974-477E-9CFA-3B717F6A636F}" type="slidenum">
               <a:rPr lang="zh-CN" altLang="en-US" smtClean="0"/>
               <a:t>‹#›</a:t>
             </a:fld>
@@ -1873,7 +1873,7 @@
     </p:spTree>
     <p:extLst>
       <p:ext uri="{BB962C8B-B14F-4D97-AF65-F5344CB8AC3E}">
-        <p14:creationId xmlns:p14="http://schemas.microsoft.com/office/powerpoint/2010/main" val="334169495"/>
+        <p14:creationId xmlns:p14="http://schemas.microsoft.com/office/powerpoint/2010/main" val="4048657898"/>
       </p:ext>
     </p:extLst>
   </p:cSld>
@@ -1905,7 +1905,7 @@
           <p:cNvPr id="2" name="标题 1">
             <a:extLst>
               <a:ext uri="{FF2B5EF4-FFF2-40B4-BE49-F238E27FC236}">
-                <a16:creationId xmlns:a16="http://schemas.microsoft.com/office/drawing/2014/main" id="{CE3462BD-79D1-A2B8-F155-24DBF16C122C}"/>
+                <a16:creationId xmlns:a16="http://schemas.microsoft.com/office/drawing/2014/main" id="{63CFF26A-137B-19FD-980B-4CC3C99C5C45}"/>
               </a:ext>
             </a:extLst>
           </p:cNvPr>
@@ -1933,7 +1933,7 @@
           <p:cNvPr id="3" name="日期占位符 2">
             <a:extLst>
               <a:ext uri="{FF2B5EF4-FFF2-40B4-BE49-F238E27FC236}">
-                <a16:creationId xmlns:a16="http://schemas.microsoft.com/office/drawing/2014/main" id="{3AF70166-68B3-41B9-0E23-9338B95171FD}"/>
+                <a16:creationId xmlns:a16="http://schemas.microsoft.com/office/drawing/2014/main" id="{202A334A-5188-4B6E-D356-AD3C85E8EFF7}"/>
               </a:ext>
             </a:extLst>
           </p:cNvPr>
@@ -1949,7 +1949,7 @@
           <a:bodyPr/>
           <a:lstStyle/>
           <a:p>
-            <a:fld id="{503AEC79-A024-4789-BA54-A44CACDB04E9}" type="datetimeFigureOut">
+            <a:fld id="{C6BAEE56-1C62-4BCB-BC7A-91B3AF32B02A}" type="datetimeFigureOut">
               <a:rPr lang="zh-CN" altLang="en-US" smtClean="0"/>
               <a:t>2024/3/10</a:t>
             </a:fld>
@@ -1962,7 +1962,7 @@
           <p:cNvPr id="4" name="页脚占位符 3">
             <a:extLst>
               <a:ext uri="{FF2B5EF4-FFF2-40B4-BE49-F238E27FC236}">
-                <a16:creationId xmlns:a16="http://schemas.microsoft.com/office/drawing/2014/main" id="{D27C4EEC-0C89-D781-D300-6A623BB4CC46}"/>
+                <a16:creationId xmlns:a16="http://schemas.microsoft.com/office/drawing/2014/main" id="{7EA09716-DB8A-06C8-2DFE-22E4081EFC61}"/>
               </a:ext>
             </a:extLst>
           </p:cNvPr>
@@ -1987,7 +1987,7 @@
           <p:cNvPr id="5" name="灯片编号占位符 4">
             <a:extLst>
               <a:ext uri="{FF2B5EF4-FFF2-40B4-BE49-F238E27FC236}">
-                <a16:creationId xmlns:a16="http://schemas.microsoft.com/office/drawing/2014/main" id="{284903D0-BBC3-293B-BEEC-F63BCF93388B}"/>
+                <a16:creationId xmlns:a16="http://schemas.microsoft.com/office/drawing/2014/main" id="{58454ED9-7929-E9D0-A87E-A23009EA2141}"/>
               </a:ext>
             </a:extLst>
           </p:cNvPr>
@@ -2003,7 +2003,7 @@
           <a:bodyPr/>
           <a:lstStyle/>
           <a:p>
-            <a:fld id="{F4D7CD8E-5B38-4539-8260-A4890702984B}" type="slidenum">
+            <a:fld id="{DA2B32E0-E974-477E-9CFA-3B717F6A636F}" type="slidenum">
               <a:rPr lang="zh-CN" altLang="en-US" smtClean="0"/>
               <a:t>‹#›</a:t>
             </a:fld>
@@ -2014,7 +2014,7 @@
     </p:spTree>
     <p:extLst>
       <p:ext uri="{BB962C8B-B14F-4D97-AF65-F5344CB8AC3E}">
-        <p14:creationId xmlns:p14="http://schemas.microsoft.com/office/powerpoint/2010/main" val="992735979"/>
+        <p14:creationId xmlns:p14="http://schemas.microsoft.com/office/powerpoint/2010/main" val="606251206"/>
       </p:ext>
     </p:extLst>
   </p:cSld>
@@ -2046,7 +2046,7 @@
           <p:cNvPr id="2" name="日期占位符 1">
             <a:extLst>
               <a:ext uri="{FF2B5EF4-FFF2-40B4-BE49-F238E27FC236}">
-                <a16:creationId xmlns:a16="http://schemas.microsoft.com/office/drawing/2014/main" id="{6FDF61C4-647F-5DBA-2BA4-923BD005CF0B}"/>
+                <a16:creationId xmlns:a16="http://schemas.microsoft.com/office/drawing/2014/main" id="{3F0CD1BD-853E-24FD-DF9A-D25FF8008A79}"/>
               </a:ext>
             </a:extLst>
           </p:cNvPr>
@@ -2062,7 +2062,7 @@
           <a:bodyPr/>
           <a:lstStyle/>
           <a:p>
-            <a:fld id="{503AEC79-A024-4789-BA54-A44CACDB04E9}" type="datetimeFigureOut">
+            <a:fld id="{C6BAEE56-1C62-4BCB-BC7A-91B3AF32B02A}" type="datetimeFigureOut">
               <a:rPr lang="zh-CN" altLang="en-US" smtClean="0"/>
               <a:t>2024/3/10</a:t>
             </a:fld>
@@ -2075,7 +2075,7 @@
           <p:cNvPr id="3" name="页脚占位符 2">
             <a:extLst>
               <a:ext uri="{FF2B5EF4-FFF2-40B4-BE49-F238E27FC236}">
-                <a16:creationId xmlns:a16="http://schemas.microsoft.com/office/drawing/2014/main" id="{5098185A-CCC4-F662-E080-47FC1AE9234F}"/>
+                <a16:creationId xmlns:a16="http://schemas.microsoft.com/office/drawing/2014/main" id="{1897F139-5E26-51B1-5959-7CA9A40610C3}"/>
               </a:ext>
             </a:extLst>
           </p:cNvPr>
@@ -2100,7 +2100,7 @@
           <p:cNvPr id="4" name="灯片编号占位符 3">
             <a:extLst>
               <a:ext uri="{FF2B5EF4-FFF2-40B4-BE49-F238E27FC236}">
-                <a16:creationId xmlns:a16="http://schemas.microsoft.com/office/drawing/2014/main" id="{30C2B511-4BAE-A857-172F-BDF0EEC05CEA}"/>
+                <a16:creationId xmlns:a16="http://schemas.microsoft.com/office/drawing/2014/main" id="{DD46969B-200F-7BB9-9ED0-1D74AB558550}"/>
               </a:ext>
             </a:extLst>
           </p:cNvPr>
@@ -2116,7 +2116,7 @@
           <a:bodyPr/>
           <a:lstStyle/>
           <a:p>
-            <a:fld id="{F4D7CD8E-5B38-4539-8260-A4890702984B}" type="slidenum">
+            <a:fld id="{DA2B32E0-E974-477E-9CFA-3B717F6A636F}" type="slidenum">
               <a:rPr lang="zh-CN" altLang="en-US" smtClean="0"/>
               <a:t>‹#›</a:t>
             </a:fld>
@@ -2127,7 +2127,7 @@
     </p:spTree>
     <p:extLst>
       <p:ext uri="{BB962C8B-B14F-4D97-AF65-F5344CB8AC3E}">
-        <p14:creationId xmlns:p14="http://schemas.microsoft.com/office/powerpoint/2010/main" val="3694935291"/>
+        <p14:creationId xmlns:p14="http://schemas.microsoft.com/office/powerpoint/2010/main" val="647305640"/>
       </p:ext>
     </p:extLst>
   </p:cSld>
@@ -2159,7 +2159,7 @@
           <p:cNvPr id="2" name="标题 1">
             <a:extLst>
               <a:ext uri="{FF2B5EF4-FFF2-40B4-BE49-F238E27FC236}">
-                <a16:creationId xmlns:a16="http://schemas.microsoft.com/office/drawing/2014/main" id="{C094E78F-7C05-F507-03AA-531D57F6C88F}"/>
+                <a16:creationId xmlns:a16="http://schemas.microsoft.com/office/drawing/2014/main" id="{10F04DF7-4759-27F5-5ABC-43903DF5F9F9}"/>
               </a:ext>
             </a:extLst>
           </p:cNvPr>
@@ -2196,7 +2196,7 @@
           <p:cNvPr id="3" name="内容占位符 2">
             <a:extLst>
               <a:ext uri="{FF2B5EF4-FFF2-40B4-BE49-F238E27FC236}">
-                <a16:creationId xmlns:a16="http://schemas.microsoft.com/office/drawing/2014/main" id="{EBB79B00-367E-CD17-816A-D20CB97385B0}"/>
+                <a16:creationId xmlns:a16="http://schemas.microsoft.com/office/drawing/2014/main" id="{AE3DC699-A25A-ABD0-E79C-AA53EB977EEB}"/>
               </a:ext>
             </a:extLst>
           </p:cNvPr>
@@ -2286,7 +2286,7 @@
           <p:cNvPr id="4" name="文本占位符 3">
             <a:extLst>
               <a:ext uri="{FF2B5EF4-FFF2-40B4-BE49-F238E27FC236}">
-                <a16:creationId xmlns:a16="http://schemas.microsoft.com/office/drawing/2014/main" id="{E75B48D1-AEB7-68F9-32D9-3F0FD52335E0}"/>
+                <a16:creationId xmlns:a16="http://schemas.microsoft.com/office/drawing/2014/main" id="{F1BE2A75-CBFD-7BB5-8731-A359DE1978FE}"/>
               </a:ext>
             </a:extLst>
           </p:cNvPr>
@@ -2357,7 +2357,7 @@
           <p:cNvPr id="5" name="日期占位符 4">
             <a:extLst>
               <a:ext uri="{FF2B5EF4-FFF2-40B4-BE49-F238E27FC236}">
-                <a16:creationId xmlns:a16="http://schemas.microsoft.com/office/drawing/2014/main" id="{50AB34DD-2C22-EC23-DD2E-3E62B6D5E8C9}"/>
+                <a16:creationId xmlns:a16="http://schemas.microsoft.com/office/drawing/2014/main" id="{CBB7B1C7-EB9F-57C3-06B9-E3CF07143B2A}"/>
               </a:ext>
             </a:extLst>
           </p:cNvPr>
@@ -2373,7 +2373,7 @@
           <a:bodyPr/>
           <a:lstStyle/>
           <a:p>
-            <a:fld id="{503AEC79-A024-4789-BA54-A44CACDB04E9}" type="datetimeFigureOut">
+            <a:fld id="{C6BAEE56-1C62-4BCB-BC7A-91B3AF32B02A}" type="datetimeFigureOut">
               <a:rPr lang="zh-CN" altLang="en-US" smtClean="0"/>
               <a:t>2024/3/10</a:t>
             </a:fld>
@@ -2386,7 +2386,7 @@
           <p:cNvPr id="6" name="页脚占位符 5">
             <a:extLst>
               <a:ext uri="{FF2B5EF4-FFF2-40B4-BE49-F238E27FC236}">
-                <a16:creationId xmlns:a16="http://schemas.microsoft.com/office/drawing/2014/main" id="{E59BA22B-9266-0C11-48EA-F70637215850}"/>
+                <a16:creationId xmlns:a16="http://schemas.microsoft.com/office/drawing/2014/main" id="{482B3884-6F86-D1CE-A6E9-8E0328F0CB2E}"/>
               </a:ext>
             </a:extLst>
           </p:cNvPr>
@@ -2411,7 +2411,7 @@
           <p:cNvPr id="7" name="灯片编号占位符 6">
             <a:extLst>
               <a:ext uri="{FF2B5EF4-FFF2-40B4-BE49-F238E27FC236}">
-                <a16:creationId xmlns:a16="http://schemas.microsoft.com/office/drawing/2014/main" id="{BB0602A3-6DDF-D779-B94D-18A9EAAE7371}"/>
+                <a16:creationId xmlns:a16="http://schemas.microsoft.com/office/drawing/2014/main" id="{0BE7D428-69CB-A0AD-29F0-215BA416E3E3}"/>
               </a:ext>
             </a:extLst>
           </p:cNvPr>
@@ -2427,7 +2427,7 @@
           <a:bodyPr/>
           <a:lstStyle/>
           <a:p>
-            <a:fld id="{F4D7CD8E-5B38-4539-8260-A4890702984B}" type="slidenum">
+            <a:fld id="{DA2B32E0-E974-477E-9CFA-3B717F6A636F}" type="slidenum">
               <a:rPr lang="zh-CN" altLang="en-US" smtClean="0"/>
               <a:t>‹#›</a:t>
             </a:fld>
@@ -2438,7 +2438,7 @@
     </p:spTree>
     <p:extLst>
       <p:ext uri="{BB962C8B-B14F-4D97-AF65-F5344CB8AC3E}">
-        <p14:creationId xmlns:p14="http://schemas.microsoft.com/office/powerpoint/2010/main" val="3326300331"/>
+        <p14:creationId xmlns:p14="http://schemas.microsoft.com/office/powerpoint/2010/main" val="1964916388"/>
       </p:ext>
     </p:extLst>
   </p:cSld>
@@ -2470,7 +2470,7 @@
           <p:cNvPr id="2" name="标题 1">
             <a:extLst>
               <a:ext uri="{FF2B5EF4-FFF2-40B4-BE49-F238E27FC236}">
-                <a16:creationId xmlns:a16="http://schemas.microsoft.com/office/drawing/2014/main" id="{8E3158BC-0386-768E-E5B9-231FCD19B87E}"/>
+                <a16:creationId xmlns:a16="http://schemas.microsoft.com/office/drawing/2014/main" id="{D307906A-2A1D-8AA4-DAF6-3E50DFD18474}"/>
               </a:ext>
             </a:extLst>
           </p:cNvPr>
@@ -2507,7 +2507,7 @@
           <p:cNvPr id="3" name="图片占位符 2">
             <a:extLst>
               <a:ext uri="{FF2B5EF4-FFF2-40B4-BE49-F238E27FC236}">
-                <a16:creationId xmlns:a16="http://schemas.microsoft.com/office/drawing/2014/main" id="{64AF4EFE-673F-C25F-42C6-70C4A5BB72F9}"/>
+                <a16:creationId xmlns:a16="http://schemas.microsoft.com/office/drawing/2014/main" id="{A1D30229-74B9-B8A3-B8BF-E69D316A84BF}"/>
               </a:ext>
             </a:extLst>
           </p:cNvPr>
@@ -2574,7 +2574,7 @@
           <p:cNvPr id="4" name="文本占位符 3">
             <a:extLst>
               <a:ext uri="{FF2B5EF4-FFF2-40B4-BE49-F238E27FC236}">
-                <a16:creationId xmlns:a16="http://schemas.microsoft.com/office/drawing/2014/main" id="{E34D2E60-4F05-760F-9905-F95114147FB3}"/>
+                <a16:creationId xmlns:a16="http://schemas.microsoft.com/office/drawing/2014/main" id="{70C52D6D-8824-098F-1868-4D692F7AEFEE}"/>
               </a:ext>
             </a:extLst>
           </p:cNvPr>
@@ -2645,7 +2645,7 @@
           <p:cNvPr id="5" name="日期占位符 4">
             <a:extLst>
               <a:ext uri="{FF2B5EF4-FFF2-40B4-BE49-F238E27FC236}">
-                <a16:creationId xmlns:a16="http://schemas.microsoft.com/office/drawing/2014/main" id="{C8D38F15-AD80-C4AF-2937-5888226FC1A4}"/>
+                <a16:creationId xmlns:a16="http://schemas.microsoft.com/office/drawing/2014/main" id="{06A083E1-DDEC-E0EE-C276-CE3A492EE70B}"/>
               </a:ext>
             </a:extLst>
           </p:cNvPr>
@@ -2661,7 +2661,7 @@
           <a:bodyPr/>
           <a:lstStyle/>
           <a:p>
-            <a:fld id="{503AEC79-A024-4789-BA54-A44CACDB04E9}" type="datetimeFigureOut">
+            <a:fld id="{C6BAEE56-1C62-4BCB-BC7A-91B3AF32B02A}" type="datetimeFigureOut">
               <a:rPr lang="zh-CN" altLang="en-US" smtClean="0"/>
               <a:t>2024/3/10</a:t>
             </a:fld>
@@ -2674,7 +2674,7 @@
           <p:cNvPr id="6" name="页脚占位符 5">
             <a:extLst>
               <a:ext uri="{FF2B5EF4-FFF2-40B4-BE49-F238E27FC236}">
-                <a16:creationId xmlns:a16="http://schemas.microsoft.com/office/drawing/2014/main" id="{8951FD3F-9D85-BD9B-8BE2-42AFE16F2A50}"/>
+                <a16:creationId xmlns:a16="http://schemas.microsoft.com/office/drawing/2014/main" id="{DF48D324-EE53-5D9B-E501-E876498218D9}"/>
               </a:ext>
             </a:extLst>
           </p:cNvPr>
@@ -2699,7 +2699,7 @@
           <p:cNvPr id="7" name="灯片编号占位符 6">
             <a:extLst>
               <a:ext uri="{FF2B5EF4-FFF2-40B4-BE49-F238E27FC236}">
-                <a16:creationId xmlns:a16="http://schemas.microsoft.com/office/drawing/2014/main" id="{4700A02C-9645-B2A0-BAF4-CD9ADCF772C1}"/>
+                <a16:creationId xmlns:a16="http://schemas.microsoft.com/office/drawing/2014/main" id="{8163C566-FCC1-D90C-6963-805C393E98C8}"/>
               </a:ext>
             </a:extLst>
           </p:cNvPr>
@@ -2715,7 +2715,7 @@
           <a:bodyPr/>
           <a:lstStyle/>
           <a:p>
-            <a:fld id="{F4D7CD8E-5B38-4539-8260-A4890702984B}" type="slidenum">
+            <a:fld id="{DA2B32E0-E974-477E-9CFA-3B717F6A636F}" type="slidenum">
               <a:rPr lang="zh-CN" altLang="en-US" smtClean="0"/>
               <a:t>‹#›</a:t>
             </a:fld>
@@ -2726,7 +2726,7 @@
     </p:spTree>
     <p:extLst>
       <p:ext uri="{BB962C8B-B14F-4D97-AF65-F5344CB8AC3E}">
-        <p14:creationId xmlns:p14="http://schemas.microsoft.com/office/powerpoint/2010/main" val="2217006320"/>
+        <p14:creationId xmlns:p14="http://schemas.microsoft.com/office/powerpoint/2010/main" val="3457838033"/>
       </p:ext>
     </p:extLst>
   </p:cSld>
@@ -2763,7 +2763,7 @@
           <p:cNvPr id="2" name="标题占位符 1">
             <a:extLst>
               <a:ext uri="{FF2B5EF4-FFF2-40B4-BE49-F238E27FC236}">
-                <a16:creationId xmlns:a16="http://schemas.microsoft.com/office/drawing/2014/main" id="{1245B6EF-F75F-14A8-6D3A-6A1EC2B16F04}"/>
+                <a16:creationId xmlns:a16="http://schemas.microsoft.com/office/drawing/2014/main" id="{BDBE8C38-16E2-4DDA-256F-70C798E85E16}"/>
               </a:ext>
             </a:extLst>
           </p:cNvPr>
@@ -2801,7 +2801,7 @@
           <p:cNvPr id="3" name="文本占位符 2">
             <a:extLst>
               <a:ext uri="{FF2B5EF4-FFF2-40B4-BE49-F238E27FC236}">
-                <a16:creationId xmlns:a16="http://schemas.microsoft.com/office/drawing/2014/main" id="{8D96FA00-C2B9-FCC0-79F7-CACBDB44799C}"/>
+                <a16:creationId xmlns:a16="http://schemas.microsoft.com/office/drawing/2014/main" id="{329F262C-4AE4-5941-6835-D330687BE803}"/>
               </a:ext>
             </a:extLst>
           </p:cNvPr>
@@ -2868,7 +2868,7 @@
           <p:cNvPr id="4" name="日期占位符 3">
             <a:extLst>
               <a:ext uri="{FF2B5EF4-FFF2-40B4-BE49-F238E27FC236}">
-                <a16:creationId xmlns:a16="http://schemas.microsoft.com/office/drawing/2014/main" id="{759F070D-9153-6AF0-3DC0-F9E787F0F853}"/>
+                <a16:creationId xmlns:a16="http://schemas.microsoft.com/office/drawing/2014/main" id="{BE5920F8-9221-C51F-A48B-D0B3262D8080}"/>
               </a:ext>
             </a:extLst>
           </p:cNvPr>
@@ -2902,7 +2902,7 @@
             </a:lvl1pPr>
           </a:lstStyle>
           <a:p>
-            <a:fld id="{503AEC79-A024-4789-BA54-A44CACDB04E9}" type="datetimeFigureOut">
+            <a:fld id="{C6BAEE56-1C62-4BCB-BC7A-91B3AF32B02A}" type="datetimeFigureOut">
               <a:rPr lang="zh-CN" altLang="en-US" smtClean="0"/>
               <a:t>2024/3/10</a:t>
             </a:fld>
@@ -2915,7 +2915,7 @@
           <p:cNvPr id="5" name="页脚占位符 4">
             <a:extLst>
               <a:ext uri="{FF2B5EF4-FFF2-40B4-BE49-F238E27FC236}">
-                <a16:creationId xmlns:a16="http://schemas.microsoft.com/office/drawing/2014/main" id="{D5BBCE4B-D537-ABE8-355B-964411B1AB30}"/>
+                <a16:creationId xmlns:a16="http://schemas.microsoft.com/office/drawing/2014/main" id="{798668E7-B734-CD53-B6C5-DCE335E80CC8}"/>
               </a:ext>
             </a:extLst>
           </p:cNvPr>
@@ -2958,7 +2958,7 @@
           <p:cNvPr id="6" name="灯片编号占位符 5">
             <a:extLst>
               <a:ext uri="{FF2B5EF4-FFF2-40B4-BE49-F238E27FC236}">
-                <a16:creationId xmlns:a16="http://schemas.microsoft.com/office/drawing/2014/main" id="{59B431FC-61F1-372A-BE51-A7F79DA59344}"/>
+                <a16:creationId xmlns:a16="http://schemas.microsoft.com/office/drawing/2014/main" id="{C60EFA51-D8BF-E6AA-BAB2-5D5C48159F7A}"/>
               </a:ext>
             </a:extLst>
           </p:cNvPr>
@@ -2992,7 +2992,7 @@
             </a:lvl1pPr>
           </a:lstStyle>
           <a:p>
-            <a:fld id="{F4D7CD8E-5B38-4539-8260-A4890702984B}" type="slidenum">
+            <a:fld id="{DA2B32E0-E974-477E-9CFA-3B717F6A636F}" type="slidenum">
               <a:rPr lang="zh-CN" altLang="en-US" smtClean="0"/>
               <a:t>‹#›</a:t>
             </a:fld>
@@ -3003,7 +3003,7 @@
     </p:spTree>
     <p:extLst>
       <p:ext uri="{BB962C8B-B14F-4D97-AF65-F5344CB8AC3E}">
-        <p14:creationId xmlns:p14="http://schemas.microsoft.com/office/powerpoint/2010/main" val="2865258846"/>
+        <p14:creationId xmlns:p14="http://schemas.microsoft.com/office/powerpoint/2010/main" val="3463972882"/>
       </p:ext>
     </p:extLst>
   </p:cSld>
@@ -3323,7 +3323,7 @@
       </p:grpSpPr>
       <p:pic>
         <p:nvPicPr>
-          <p:cNvPr id="1604610" name="Picture 2" descr="1566"/>
+          <p:cNvPr id="1605634" name="Picture 2" descr="1567"/>
           <p:cNvPicPr>
             <a:picLocks noChangeAspect="1" noChangeArrowheads="1"/>
           </p:cNvPicPr>
@@ -3344,8 +3344,8 @@
         </p:blipFill>
         <p:spPr bwMode="auto">
           <a:xfrm>
-            <a:off x="1524000" y="1"/>
-            <a:ext cx="9124950" cy="6843713"/>
+            <a:off x="1543050" y="14288"/>
+            <a:ext cx="9124950" cy="6843712"/>
           </a:xfrm>
           <a:prstGeom prst="rect">
             <a:avLst/>
@@ -3375,158 +3375,11 @@
           </a:extLst>
         </p:spPr>
       </p:pic>
-      <p:pic>
-        <p:nvPicPr>
-          <p:cNvPr id="1605635" name="Picture 3" descr="1566-2"/>
-          <p:cNvPicPr>
-            <a:picLocks noChangeAspect="1" noChangeArrowheads="1"/>
-          </p:cNvPicPr>
-          <p:nvPr/>
-        </p:nvPicPr>
-        <p:blipFill>
-          <a:blip r:embed="rId3">
-            <a:extLst>
-              <a:ext uri="{28A0092B-C50C-407E-A947-70E740481C1C}">
-                <a14:useLocalDpi xmlns:a14="http://schemas.microsoft.com/office/drawing/2010/main" val="0"/>
-              </a:ext>
-            </a:extLst>
-          </a:blip>
-          <a:srcRect/>
-          <a:stretch>
-            <a:fillRect/>
-          </a:stretch>
-        </p:blipFill>
-        <p:spPr bwMode="auto">
-          <a:xfrm>
-            <a:off x="1543050" y="1"/>
-            <a:ext cx="9124950" cy="6843713"/>
-          </a:xfrm>
-          <a:prstGeom prst="rect">
-            <a:avLst/>
-          </a:prstGeom>
-          <a:noFill/>
-          <a:ln>
-            <a:noFill/>
-          </a:ln>
-          <a:effectLst/>
-          <a:extLst>
-            <a:ext uri="{909E8E84-426E-40DD-AFC4-6F175D3DCCD1}">
-              <a14:hiddenFill xmlns:a14="http://schemas.microsoft.com/office/drawing/2010/main">
-                <a:solidFill>
-                  <a:srgbClr val="FFFFFF"/>
-                </a:solidFill>
-              </a14:hiddenFill>
-            </a:ext>
-            <a:ext uri="{91240B29-F687-4F45-9708-019B960494DF}">
-              <a14:hiddenLine xmlns:a14="http://schemas.microsoft.com/office/drawing/2010/main" w="9525">
-                <a:solidFill>
-                  <a:srgbClr val="000000"/>
-                </a:solidFill>
-                <a:miter lim="800000"/>
-                <a:headEnd/>
-                <a:tailEnd/>
-              </a14:hiddenLine>
-            </a:ext>
-            <a:ext uri="{AF507438-7753-43E0-B8FC-AC1667EBCBE1}">
-              <a14:hiddenEffects xmlns:a14="http://schemas.microsoft.com/office/drawing/2010/main">
-                <a:effectLst>
-                  <a:outerShdw dist="35921" dir="2700000" algn="ctr" rotWithShape="0">
-                    <a:srgbClr val="808080"/>
-                  </a:outerShdw>
-                </a:effectLst>
-              </a14:hiddenEffects>
-            </a:ext>
-          </a:extLst>
-        </p:spPr>
-      </p:pic>
     </p:spTree>
   </p:cSld>
   <p:clrMapOvr>
     <a:masterClrMapping/>
   </p:clrMapOvr>
-  <p:timing>
-    <p:tnLst>
-      <p:par>
-        <p:cTn id="1" dur="indefinite" restart="never" nodeType="tmRoot">
-          <p:childTnLst>
-            <p:seq concurrent="1" nextAc="seek">
-              <p:cTn id="2" dur="indefinite" nodeType="mainSeq">
-                <p:childTnLst>
-                  <p:par>
-                    <p:cTn id="3" fill="hold" nodeType="clickPar">
-                      <p:stCondLst>
-                        <p:cond delay="indefinite"/>
-                      </p:stCondLst>
-                      <p:childTnLst>
-                        <p:par>
-                          <p:cTn id="4" fill="hold" nodeType="withGroup">
-                            <p:stCondLst>
-                              <p:cond delay="0"/>
-                            </p:stCondLst>
-                            <p:childTnLst>
-                              <p:par>
-                                <p:cTn id="5" presetID="10" presetClass="entr" presetSubtype="0" fill="hold" nodeType="clickEffect">
-                                  <p:stCondLst>
-                                    <p:cond delay="0"/>
-                                  </p:stCondLst>
-                                  <p:childTnLst>
-                                    <p:set>
-                                      <p:cBhvr>
-                                        <p:cTn id="6" dur="1" fill="hold">
-                                          <p:stCondLst>
-                                            <p:cond delay="0"/>
-                                          </p:stCondLst>
-                                        </p:cTn>
-                                        <p:tgtEl>
-                                          <p:spTgt spid="1605635"/>
-                                        </p:tgtEl>
-                                        <p:attrNameLst>
-                                          <p:attrName>style.visibility</p:attrName>
-                                        </p:attrNameLst>
-                                      </p:cBhvr>
-                                      <p:to>
-                                        <p:strVal val="visible"/>
-                                      </p:to>
-                                    </p:set>
-                                    <p:animEffect transition="in" filter="fade">
-                                      <p:cBhvr>
-                                        <p:cTn id="7" dur="500"/>
-                                        <p:tgtEl>
-                                          <p:spTgt spid="1605635"/>
-                                        </p:tgtEl>
-                                      </p:cBhvr>
-                                    </p:animEffect>
-                                  </p:childTnLst>
-                                </p:cTn>
-                              </p:par>
-                            </p:childTnLst>
-                          </p:cTn>
-                        </p:par>
-                      </p:childTnLst>
-                    </p:cTn>
-                  </p:par>
-                </p:childTnLst>
-              </p:cTn>
-              <p:prevCondLst>
-                <p:cond evt="onPrev" delay="0">
-                  <p:tgtEl>
-                    <p:sldTgt/>
-                  </p:tgtEl>
-                </p:cond>
-              </p:prevCondLst>
-              <p:nextCondLst>
-                <p:cond evt="onNext" delay="0">
-                  <p:tgtEl>
-                    <p:sldTgt/>
-                  </p:tgtEl>
-                </p:cond>
-              </p:nextCondLst>
-            </p:seq>
-          </p:childTnLst>
-        </p:cTn>
-      </p:par>
-    </p:tnLst>
-  </p:timing>
 </p:sld>
 </file>
 
